--- a/video-pipeline-software.pptx
+++ b/video-pipeline-software.pptx
@@ -3376,7 +3376,7 @@
           <a:lstStyle/>
           <a:p>
             <a:pPr algn="ctr"/>
-            <a:endParaRPr lang="en-US"/>
+            <a:endParaRPr lang="en-US" sz="1200"/>
           </a:p>
         </p:txBody>
       </p:sp>
@@ -3395,7 +3395,7 @@
         <p:spPr>
           <a:xfrm>
             <a:off x="7100682" y="657213"/>
-            <a:ext cx="1764791" cy="307777"/>
+            <a:ext cx="1764791" cy="276999"/>
           </a:xfrm>
           <a:prstGeom prst="rect">
             <a:avLst/>
@@ -3417,7 +3417,7 @@
           <a:p>
             <a:pPr algn="ctr"/>
             <a:r>
-              <a:rPr lang="en-US" sz="1400" dirty="0"/>
+              <a:rPr lang="en-US" sz="1200" dirty="0"/>
               <a:t>Proprietary cables</a:t>
             </a:r>
           </a:p>
@@ -3438,7 +3438,7 @@
         <p:spPr>
           <a:xfrm>
             <a:off x="4572000" y="1075728"/>
-            <a:ext cx="1338162" cy="307777"/>
+            <a:ext cx="1338162" cy="276999"/>
           </a:xfrm>
           <a:prstGeom prst="rect">
             <a:avLst/>
@@ -3463,7 +3463,7 @@
           <a:p>
             <a:pPr algn="ctr"/>
             <a:r>
-              <a:rPr lang="en-US" sz="1400" dirty="0"/>
+              <a:rPr lang="en-US" sz="1200" dirty="0"/>
               <a:t>Left CCU</a:t>
             </a:r>
           </a:p>
@@ -3484,7 +3484,7 @@
         <p:spPr>
           <a:xfrm>
             <a:off x="6281062" y="1075728"/>
-            <a:ext cx="1338162" cy="307777"/>
+            <a:ext cx="1338162" cy="276999"/>
           </a:xfrm>
           <a:prstGeom prst="rect">
             <a:avLst/>
@@ -3509,7 +3509,7 @@
           <a:p>
             <a:pPr algn="ctr"/>
             <a:r>
-              <a:rPr lang="en-US" sz="1400" dirty="0"/>
+              <a:rPr lang="en-US" sz="1200" dirty="0"/>
               <a:t>Right CCU</a:t>
             </a:r>
           </a:p>
@@ -3530,7 +3530,7 @@
         <p:spPr>
           <a:xfrm>
             <a:off x="5584371" y="238702"/>
-            <a:ext cx="1023258" cy="307777"/>
+            <a:ext cx="1023258" cy="276999"/>
           </a:xfrm>
           <a:prstGeom prst="rect">
             <a:avLst/>
@@ -3555,7 +3555,7 @@
           <a:p>
             <a:pPr algn="ctr"/>
             <a:r>
-              <a:rPr lang="en-US" sz="1400" dirty="0"/>
+              <a:rPr lang="en-US" sz="1200" dirty="0"/>
               <a:t>Cameras</a:t>
             </a:r>
           </a:p>
@@ -3579,8 +3579,8 @@
         </p:nvCxnSpPr>
         <p:spPr>
           <a:xfrm rot="5400000">
-            <a:off x="5403917" y="383644"/>
-            <a:ext cx="529249" cy="854919"/>
+            <a:off x="5388528" y="368255"/>
+            <a:ext cx="560027" cy="854919"/>
           </a:xfrm>
           <a:prstGeom prst="curvedConnector3">
             <a:avLst>
@@ -3627,8 +3627,8 @@
         </p:nvCxnSpPr>
         <p:spPr>
           <a:xfrm rot="16200000" flipH="1">
-            <a:off x="6258447" y="384031"/>
-            <a:ext cx="529249" cy="854143"/>
+            <a:off x="6243058" y="368642"/>
+            <a:ext cx="560027" cy="854143"/>
           </a:xfrm>
           <a:prstGeom prst="curvedConnector3">
             <a:avLst>
@@ -3672,7 +3672,7 @@
         <p:spPr>
           <a:xfrm>
             <a:off x="4572000" y="1912754"/>
-            <a:ext cx="1338940" cy="738664"/>
+            <a:ext cx="1338940" cy="646331"/>
           </a:xfrm>
           <a:prstGeom prst="rect">
             <a:avLst/>
@@ -3697,29 +3697,29 @@
           <a:p>
             <a:pPr algn="ctr"/>
             <a:r>
-              <a:rPr lang="en-US" sz="1400" dirty="0"/>
+              <a:rPr lang="en-US" sz="1200" dirty="0"/>
               <a:t>Left</a:t>
             </a:r>
           </a:p>
           <a:p>
             <a:pPr algn="ctr"/>
             <a:r>
-              <a:rPr lang="en-US" sz="1400" dirty="0"/>
+              <a:rPr lang="en-US" sz="1200" dirty="0"/>
               <a:t>Frame Grabber</a:t>
             </a:r>
           </a:p>
           <a:p>
             <a:pPr algn="ctr"/>
             <a:r>
-              <a:rPr lang="en-US" sz="1400" dirty="0"/>
+              <a:rPr lang="en-US" sz="1200" dirty="0"/>
               <a:t>SDI </a:t>
             </a:r>
             <a:r>
-              <a:rPr lang="en-US" sz="1400" i="1" dirty="0"/>
+              <a:rPr lang="en-US" sz="1200" i="1" dirty="0"/>
               <a:t>or</a:t>
             </a:r>
             <a:r>
-              <a:rPr lang="en-US" sz="1400" dirty="0"/>
+              <a:rPr lang="en-US" sz="1200" dirty="0"/>
               <a:t> S-Video </a:t>
             </a:r>
           </a:p>
@@ -3740,7 +3740,7 @@
         <p:spPr>
           <a:xfrm>
             <a:off x="7142722" y="1494239"/>
-            <a:ext cx="1722754" cy="307777"/>
+            <a:ext cx="1722754" cy="276999"/>
           </a:xfrm>
           <a:prstGeom prst="rect">
             <a:avLst/>
@@ -3762,7 +3762,7 @@
           <a:p>
             <a:pPr algn="ctr"/>
             <a:r>
-              <a:rPr lang="en-US" sz="1400" dirty="0"/>
+              <a:rPr lang="en-US" sz="1200" dirty="0"/>
               <a:t>Standard cables</a:t>
             </a:r>
           </a:p>
@@ -3783,7 +3783,7 @@
         <p:spPr>
           <a:xfrm>
             <a:off x="6280284" y="2784055"/>
-            <a:ext cx="1338940" cy="307777"/>
+            <a:ext cx="1338940" cy="276999"/>
           </a:xfrm>
           <a:prstGeom prst="rect">
             <a:avLst/>
@@ -3808,7 +3808,7 @@
           <a:p>
             <a:pPr algn="ctr"/>
             <a:r>
-              <a:rPr lang="en-US" sz="1400" dirty="0"/>
+              <a:rPr lang="en-US" sz="1200" dirty="0"/>
               <a:t>Processing</a:t>
             </a:r>
           </a:p>
@@ -3829,7 +3829,7 @@
         <p:spPr>
           <a:xfrm>
             <a:off x="4571999" y="2784055"/>
-            <a:ext cx="1338940" cy="307777"/>
+            <a:ext cx="1338940" cy="276999"/>
           </a:xfrm>
           <a:prstGeom prst="rect">
             <a:avLst/>
@@ -3854,7 +3854,7 @@
           <a:p>
             <a:pPr algn="ctr"/>
             <a:r>
-              <a:rPr lang="en-US" sz="1400" dirty="0"/>
+              <a:rPr lang="en-US" sz="1200" dirty="0"/>
               <a:t>Processing</a:t>
             </a:r>
           </a:p>
@@ -3878,8 +3878,8 @@
         </p:nvCxnSpPr>
         <p:spPr>
           <a:xfrm rot="16200000" flipH="1">
-            <a:off x="4976651" y="1647934"/>
-            <a:ext cx="529249" cy="389"/>
+            <a:off x="4961262" y="1632545"/>
+            <a:ext cx="560027" cy="389"/>
           </a:xfrm>
           <a:prstGeom prst="curvedConnector3">
             <a:avLst/>
@@ -3920,8 +3920,8 @@
         </p:nvCxnSpPr>
         <p:spPr>
           <a:xfrm rot="16200000" flipH="1">
-            <a:off x="6685713" y="1647934"/>
-            <a:ext cx="529249" cy="389"/>
+            <a:off x="6670325" y="1632544"/>
+            <a:ext cx="560025" cy="389"/>
           </a:xfrm>
           <a:prstGeom prst="curvedConnector3">
             <a:avLst>
@@ -3965,8 +3965,8 @@
         </p:nvCxnSpPr>
         <p:spPr>
           <a:xfrm rot="5400000">
-            <a:off x="5175152" y="2717736"/>
-            <a:ext cx="132637" cy="1"/>
+            <a:off x="5128985" y="2671570"/>
+            <a:ext cx="224970" cy="1"/>
           </a:xfrm>
           <a:prstGeom prst="curvedConnector3">
             <a:avLst>
@@ -4010,12 +4010,12 @@
         </p:nvCxnSpPr>
         <p:spPr>
           <a:xfrm rot="5400000">
-            <a:off x="6883434" y="2717734"/>
-            <a:ext cx="132641" cy="12700"/>
+            <a:off x="6837267" y="2671568"/>
+            <a:ext cx="224974" cy="12700"/>
           </a:xfrm>
           <a:prstGeom prst="curvedConnector3">
             <a:avLst>
-              <a:gd name="adj1" fmla="val 47605"/>
+              <a:gd name="adj1" fmla="val 50000"/>
             </a:avLst>
           </a:prstGeom>
           <a:ln>
@@ -4052,7 +4052,7 @@
         <p:spPr>
           <a:xfrm>
             <a:off x="6280284" y="1912750"/>
-            <a:ext cx="1338940" cy="738664"/>
+            <a:ext cx="1338940" cy="646331"/>
           </a:xfrm>
           <a:prstGeom prst="rect">
             <a:avLst/>
@@ -4077,29 +4077,29 @@
           <a:p>
             <a:pPr algn="ctr"/>
             <a:r>
-              <a:rPr lang="en-US" sz="1400" dirty="0"/>
+              <a:rPr lang="en-US" sz="1200" dirty="0"/>
               <a:t>Right</a:t>
             </a:r>
           </a:p>
           <a:p>
             <a:pPr algn="ctr"/>
             <a:r>
-              <a:rPr lang="en-US" sz="1400" dirty="0"/>
+              <a:rPr lang="en-US" sz="1200" dirty="0"/>
               <a:t>Frame Grabber</a:t>
             </a:r>
           </a:p>
           <a:p>
             <a:pPr algn="ctr"/>
             <a:r>
-              <a:rPr lang="en-US" sz="1400" dirty="0"/>
+              <a:rPr lang="en-US" sz="1200" dirty="0"/>
               <a:t>SDI </a:t>
             </a:r>
             <a:r>
-              <a:rPr lang="en-US" sz="1400" i="1" dirty="0"/>
+              <a:rPr lang="en-US" sz="1200" i="1" dirty="0"/>
               <a:t>or</a:t>
             </a:r>
             <a:r>
-              <a:rPr lang="en-US" sz="1400" dirty="0"/>
+              <a:rPr lang="en-US" sz="1200" dirty="0"/>
               <a:t> S-Video </a:t>
             </a:r>
           </a:p>
@@ -4120,7 +4120,7 @@
         <p:spPr>
           <a:xfrm>
             <a:off x="4571222" y="3255648"/>
-            <a:ext cx="1338940" cy="523220"/>
+            <a:ext cx="1338940" cy="461665"/>
           </a:xfrm>
           <a:prstGeom prst="rect">
             <a:avLst/>
@@ -4145,14 +4145,14 @@
           <a:p>
             <a:pPr algn="ctr"/>
             <a:r>
-              <a:rPr lang="en-US" sz="1400" dirty="0"/>
+              <a:rPr lang="en-US" sz="1200" dirty="0"/>
               <a:t>Left Render</a:t>
             </a:r>
           </a:p>
           <a:p>
             <a:pPr algn="ctr"/>
             <a:r>
-              <a:rPr lang="en-US" sz="1400" dirty="0"/>
+              <a:rPr lang="en-US" sz="1200" dirty="0"/>
               <a:t>Graphic Card</a:t>
             </a:r>
           </a:p>
@@ -4173,7 +4173,7 @@
         <p:spPr>
           <a:xfrm>
             <a:off x="6280284" y="3255648"/>
-            <a:ext cx="1338940" cy="523220"/>
+            <a:ext cx="1338940" cy="461665"/>
           </a:xfrm>
           <a:prstGeom prst="rect">
             <a:avLst/>
@@ -4198,14 +4198,14 @@
           <a:p>
             <a:pPr algn="ctr"/>
             <a:r>
-              <a:rPr lang="en-US" sz="1400" dirty="0"/>
+              <a:rPr lang="en-US" sz="1200" dirty="0"/>
               <a:t>Right Render</a:t>
             </a:r>
           </a:p>
           <a:p>
             <a:pPr algn="ctr"/>
             <a:r>
-              <a:rPr lang="en-US" sz="1400" dirty="0"/>
+              <a:rPr lang="en-US" sz="1200" dirty="0"/>
               <a:t>Graphic Card</a:t>
             </a:r>
           </a:p>
@@ -4228,8 +4228,8 @@
         </p:nvCxnSpPr>
         <p:spPr>
           <a:xfrm rot="5400000">
-            <a:off x="5158242" y="3174283"/>
-            <a:ext cx="165679" cy="776"/>
+            <a:off x="5142855" y="3158896"/>
+            <a:ext cx="196456" cy="773"/>
           </a:xfrm>
           <a:prstGeom prst="curvedConnector3">
             <a:avLst>
@@ -4273,8 +4273,8 @@
         </p:nvCxnSpPr>
         <p:spPr>
           <a:xfrm rot="5400000">
-            <a:off x="6867846" y="3173740"/>
-            <a:ext cx="163816" cy="12700"/>
+            <a:off x="6852457" y="3158351"/>
+            <a:ext cx="194594" cy="12700"/>
           </a:xfrm>
           <a:prstGeom prst="curvedConnector3">
             <a:avLst>
@@ -4315,7 +4315,7 @@
         <p:spPr>
           <a:xfrm>
             <a:off x="5872134" y="2728850"/>
-            <a:ext cx="447731" cy="369332"/>
+            <a:ext cx="447731" cy="276999"/>
           </a:xfrm>
           <a:prstGeom prst="rect">
             <a:avLst/>
@@ -4330,7 +4330,7 @@
           <a:p>
             <a:pPr algn="ctr"/>
             <a:r>
-              <a:rPr lang="en-US" dirty="0"/>
+              <a:rPr lang="en-US" sz="1200" dirty="0"/>
               <a:t>PC</a:t>
             </a:r>
           </a:p>
@@ -4351,7 +4351,7 @@
         <p:spPr>
           <a:xfrm>
             <a:off x="7142722" y="3888152"/>
-            <a:ext cx="1722754" cy="307777"/>
+            <a:ext cx="1722754" cy="276999"/>
           </a:xfrm>
           <a:prstGeom prst="rect">
             <a:avLst/>
@@ -4373,7 +4373,7 @@
           <a:p>
             <a:pPr algn="ctr"/>
             <a:r>
-              <a:rPr lang="en-US" sz="1400" dirty="0"/>
+              <a:rPr lang="en-US" sz="1200" dirty="0"/>
               <a:t>VGA cables</a:t>
             </a:r>
           </a:p>
@@ -4396,8 +4396,8 @@
         </p:nvCxnSpPr>
         <p:spPr>
           <a:xfrm rot="16200000" flipH="1">
-            <a:off x="4977182" y="4042378"/>
-            <a:ext cx="527798" cy="778"/>
+            <a:off x="4946405" y="4011599"/>
+            <a:ext cx="589352" cy="779"/>
           </a:xfrm>
           <a:prstGeom prst="curvedConnector3">
             <a:avLst/>
@@ -4438,8 +4438,8 @@
         </p:nvCxnSpPr>
         <p:spPr>
           <a:xfrm rot="16200000" flipH="1">
-            <a:off x="6686244" y="4042378"/>
-            <a:ext cx="527798" cy="778"/>
+            <a:off x="6655467" y="4011599"/>
+            <a:ext cx="589352" cy="779"/>
           </a:xfrm>
           <a:prstGeom prst="curvedConnector3">
             <a:avLst>
@@ -4480,7 +4480,7 @@
         <p:spPr>
           <a:xfrm>
             <a:off x="6273934" y="4314474"/>
-            <a:ext cx="1338940" cy="307777"/>
+            <a:ext cx="1338940" cy="276999"/>
           </a:xfrm>
           <a:prstGeom prst="rect">
             <a:avLst/>
@@ -4505,7 +4505,7 @@
           <a:p>
             <a:pPr algn="ctr"/>
             <a:r>
-              <a:rPr lang="en-US" sz="1400" dirty="0"/>
+              <a:rPr lang="en-US" sz="1200" dirty="0"/>
               <a:t>Right Monitor</a:t>
             </a:r>
           </a:p>
@@ -4526,7 +4526,7 @@
         <p:spPr>
           <a:xfrm>
             <a:off x="4579127" y="4309455"/>
-            <a:ext cx="1338940" cy="307777"/>
+            <a:ext cx="1338940" cy="276999"/>
           </a:xfrm>
           <a:prstGeom prst="rect">
             <a:avLst/>
@@ -4551,7 +4551,7 @@
           <a:p>
             <a:pPr algn="ctr"/>
             <a:r>
-              <a:rPr lang="en-US" sz="1400" dirty="0"/>
+              <a:rPr lang="en-US" sz="1200" dirty="0"/>
               <a:t>Left Monitor</a:t>
             </a:r>
           </a:p>
